--- a/Folien/02_Basic_Operators.pptx
+++ b/Folien/02_Basic_Operators.pptx
@@ -19,16 +19,17 @@
     <p:sldId id="264" r:id="rId15"/>
     <p:sldId id="265" r:id="rId16"/>
     <p:sldId id="266" r:id="rId17"/>
+    <p:sldId id="267" r:id="rId18"/>
   </p:sldIdLst>
   <p:sldSz cy="5143500" cx="9144000"/>
   <p:notesSz cx="6858000" cy="9144000"/>
   <p:embeddedFontLst>
     <p:embeddedFont>
       <p:font typeface="Roboto"/>
-      <p:regular r:id="rId18"/>
-      <p:bold r:id="rId19"/>
-      <p:italic r:id="rId20"/>
-      <p:boldItalic r:id="rId21"/>
+      <p:regular r:id="rId19"/>
+      <p:bold r:id="rId20"/>
+      <p:italic r:id="rId21"/>
+      <p:boldItalic r:id="rId22"/>
     </p:embeddedFont>
   </p:embeddedFontLst>
   <p:defaultTextStyle>
@@ -956,6 +957,105 @@
       <p:sp>
         <p:nvSpPr>
           <p:cNvPr id="126" name="Google Shape;126;g45074df30b_0_122:notes"/>
+          <p:cNvSpPr txBox="1"/>
+          <p:nvPr>
+            <p:ph idx="1" type="body"/>
+          </p:nvPr>
+        </p:nvSpPr>
+        <p:spPr>
+          <a:xfrm>
+            <a:off x="685800" y="4343400"/>
+            <a:ext cx="5486400" cy="4114800"/>
+          </a:xfrm>
+          <a:prstGeom prst="rect">
+            <a:avLst/>
+          </a:prstGeom>
+        </p:spPr>
+        <p:txBody>
+          <a:bodyPr anchorCtr="0" anchor="t" bIns="91425" lIns="91425" spcFirstLastPara="1" rIns="91425" wrap="square" tIns="91425">
+            <a:noAutofit/>
+          </a:bodyPr>
+          <a:lstStyle/>
+          <a:p>
+            <a:pPr indent="0" lvl="0" marL="0" rtl="0" algn="l">
+              <a:spcBef>
+                <a:spcPts val="0"/>
+              </a:spcBef>
+              <a:spcAft>
+                <a:spcPts val="0"/>
+              </a:spcAft>
+              <a:buNone/>
+            </a:pPr>
+            <a:r>
+              <a:t/>
+            </a:r>
+            <a:endParaRPr/>
+          </a:p>
+        </p:txBody>
+      </p:sp>
+    </p:spTree>
+  </p:cSld>
+  <p:clrMapOvr>
+    <a:masterClrMapping/>
+  </p:clrMapOvr>
+</p:notes>
+</file>
+
+<file path=ppt/notesSlides/notesSlide12.xml><?xml version="1.0" encoding="utf-8"?>
+<p:notes xmlns:a="http://schemas.openxmlformats.org/drawingml/2006/main" xmlns:r="http://schemas.openxmlformats.org/officeDocument/2006/relationships" xmlns:mc="http://schemas.openxmlformats.org/markup-compatibility/2006" xmlns:mv="urn:schemas-microsoft-com:mac:vml" xmlns:p="http://schemas.openxmlformats.org/presentationml/2006/main" xmlns:c="http://schemas.openxmlformats.org/drawingml/2006/chart" xmlns:dgm="http://schemas.openxmlformats.org/drawingml/2006/diagram" xmlns:o="urn:schemas-microsoft-com:office:office" xmlns:v="urn:schemas-microsoft-com:vml" xmlns:pvml="urn:schemas-microsoft-com:office:powerpoint" xmlns:com="http://schemas.openxmlformats.org/drawingml/2006/compatibility" xmlns:p14="http://schemas.microsoft.com/office/powerpoint/2010/main" xmlns:p15="http://schemas.microsoft.com/office/powerpoint/2012/main" showMasterPhAnim="0" showMasterSp="0">
+  <p:cSld>
+    <p:spTree>
+      <p:nvGrpSpPr>
+        <p:cNvPr id="130" name="Shape 130"/>
+        <p:cNvGrpSpPr/>
+        <p:nvPr/>
+      </p:nvGrpSpPr>
+      <p:grpSpPr>
+        <a:xfrm>
+          <a:off x="0" y="0"/>
+          <a:ext cx="0" cy="0"/>
+          <a:chOff x="0" y="0"/>
+          <a:chExt cx="0" cy="0"/>
+        </a:xfrm>
+      </p:grpSpPr>
+      <p:sp>
+        <p:nvSpPr>
+          <p:cNvPr id="131" name="Google Shape;131;g4522de80b7_0_0:notes"/>
+          <p:cNvSpPr/>
+          <p:nvPr>
+            <p:ph idx="2" type="sldImg"/>
+          </p:nvPr>
+        </p:nvSpPr>
+        <p:spPr>
+          <a:xfrm>
+            <a:off x="381300" y="685800"/>
+            <a:ext cx="6096000" cy="3429000"/>
+          </a:xfrm>
+          <a:custGeom>
+            <a:rect b="b" l="l" r="r" t="t"/>
+            <a:pathLst>
+              <a:path extrusionOk="0" h="120000" w="120000">
+                <a:moveTo>
+                  <a:pt x="0" y="0"/>
+                </a:moveTo>
+                <a:lnTo>
+                  <a:pt x="120000" y="0"/>
+                </a:lnTo>
+                <a:lnTo>
+                  <a:pt x="120000" y="120000"/>
+                </a:lnTo>
+                <a:lnTo>
+                  <a:pt x="0" y="120000"/>
+                </a:lnTo>
+                <a:close/>
+              </a:path>
+            </a:pathLst>
+          </a:custGeom>
+        </p:spPr>
+      </p:sp>
+      <p:sp>
+        <p:nvSpPr>
+          <p:cNvPr id="132" name="Google Shape;132;g4522de80b7_0_0:notes"/>
           <p:cNvSpPr txBox="1"/>
           <p:nvPr>
             <p:ph idx="1" type="body"/>
@@ -8191,7 +8291,11 @@
             </a:br>
             <a:r>
               <a:rPr lang="de" sz="1100"/>
-              <a:t>var a = nil</a:t>
+              <a:t>var a</a:t>
+            </a:r>
+            <a:r>
+              <a:rPr lang="de" sz="1100"/>
+              <a:t> = nil</a:t>
             </a:r>
             <a:br>
               <a:rPr lang="de" sz="1100"/>
@@ -8237,7 +8341,7 @@
             </a:pPr>
             <a:r>
               <a:rPr lang="de" sz="1100"/>
-              <a:t>for pizza in range pizzas[range] {</a:t>
+              <a:t>for pizza in pizzas[range] {</a:t>
             </a:r>
             <a:br>
               <a:rPr lang="de" sz="1100"/>
@@ -8269,6 +8373,111 @@
               <a:rPr lang="de" sz="1100"/>
             </a:br>
             <a:endParaRPr sz="1100"/>
+          </a:p>
+        </p:txBody>
+      </p:sp>
+    </p:spTree>
+  </p:cSld>
+  <p:clrMapOvr>
+    <a:masterClrMapping/>
+  </p:clrMapOvr>
+</p:sld>
+</file>
+
+<file path=ppt/slides/slide12.xml><?xml version="1.0" encoding="utf-8"?>
+<p:sld xmlns:a="http://schemas.openxmlformats.org/drawingml/2006/main" xmlns:r="http://schemas.openxmlformats.org/officeDocument/2006/relationships" xmlns:mc="http://schemas.openxmlformats.org/markup-compatibility/2006" xmlns:mv="urn:schemas-microsoft-com:mac:vml" xmlns:p="http://schemas.openxmlformats.org/presentationml/2006/main" xmlns:c="http://schemas.openxmlformats.org/drawingml/2006/chart" xmlns:dgm="http://schemas.openxmlformats.org/drawingml/2006/diagram" xmlns:o="urn:schemas-microsoft-com:office:office" xmlns:v="urn:schemas-microsoft-com:vml" xmlns:pvml="urn:schemas-microsoft-com:office:powerpoint" xmlns:com="http://schemas.openxmlformats.org/drawingml/2006/compatibility" xmlns:p14="http://schemas.microsoft.com/office/powerpoint/2010/main" xmlns:p15="http://schemas.microsoft.com/office/powerpoint/2012/main">
+  <p:cSld>
+    <p:spTree>
+      <p:nvGrpSpPr>
+        <p:cNvPr id="133" name="Shape 133"/>
+        <p:cNvGrpSpPr/>
+        <p:nvPr/>
+      </p:nvGrpSpPr>
+      <p:grpSpPr>
+        <a:xfrm>
+          <a:off x="0" y="0"/>
+          <a:ext cx="0" cy="0"/>
+          <a:chOff x="0" y="0"/>
+          <a:chExt cx="0" cy="0"/>
+        </a:xfrm>
+      </p:grpSpPr>
+      <p:sp>
+        <p:nvSpPr>
+          <p:cNvPr id="134" name="Google Shape;134;p24"/>
+          <p:cNvSpPr txBox="1"/>
+          <p:nvPr>
+            <p:ph type="title"/>
+          </p:nvPr>
+        </p:nvSpPr>
+        <p:spPr>
+          <a:xfrm>
+            <a:off x="471900" y="738725"/>
+            <a:ext cx="8222100" cy="767700"/>
+          </a:xfrm>
+          <a:prstGeom prst="rect">
+            <a:avLst/>
+          </a:prstGeom>
+        </p:spPr>
+        <p:txBody>
+          <a:bodyPr anchorCtr="0" anchor="b" bIns="91425" lIns="91425" spcFirstLastPara="1" rIns="91425" wrap="square" tIns="91425">
+            <a:noAutofit/>
+          </a:bodyPr>
+          <a:lstStyle/>
+          <a:p>
+            <a:pPr indent="0" lvl="0" marL="0" rtl="0" algn="l">
+              <a:spcBef>
+                <a:spcPts val="0"/>
+              </a:spcBef>
+              <a:spcAft>
+                <a:spcPts val="0"/>
+              </a:spcAft>
+              <a:buNone/>
+            </a:pPr>
+            <a:r>
+              <a:rPr lang="de"/>
+              <a:t>Beispiel</a:t>
+            </a:r>
+            <a:endParaRPr/>
+          </a:p>
+        </p:txBody>
+      </p:sp>
+      <p:sp>
+        <p:nvSpPr>
+          <p:cNvPr id="135" name="Google Shape;135;p24"/>
+          <p:cNvSpPr txBox="1"/>
+          <p:nvPr>
+            <p:ph idx="1" type="body"/>
+          </p:nvPr>
+        </p:nvSpPr>
+        <p:spPr>
+          <a:xfrm>
+            <a:off x="471900" y="1919075"/>
+            <a:ext cx="8222100" cy="2710200"/>
+          </a:xfrm>
+          <a:prstGeom prst="rect">
+            <a:avLst/>
+          </a:prstGeom>
+        </p:spPr>
+        <p:txBody>
+          <a:bodyPr anchorCtr="0" anchor="t" bIns="91425" lIns="91425" spcFirstLastPara="1" rIns="91425" wrap="square" tIns="91425">
+            <a:noAutofit/>
+          </a:bodyPr>
+          <a:lstStyle/>
+          <a:p>
+            <a:pPr indent="0" lvl="0" marL="0" rtl="0" algn="l">
+              <a:spcBef>
+                <a:spcPts val="0"/>
+              </a:spcBef>
+              <a:spcAft>
+                <a:spcPts val="1600"/>
+              </a:spcAft>
+              <a:buNone/>
+            </a:pPr>
+            <a:r>
+              <a:rPr lang="de"/>
+              <a:t>Überprüfe ob eine integer variable innerhalb einer Range ist außerdem überprüfe ob diese Variable nil ist wenn diese nil ist gib einer anderen Variable den Wert 10 und gib diese aus</a:t>
+            </a:r>
+            <a:endParaRPr/>
           </a:p>
         </p:txBody>
       </p:sp>
@@ -9350,6 +9559,43 @@
                 <a:sym typeface="Arial"/>
               </a:rPr>
               <a:t>)</a:t>
+            </a:r>
+            <a:endParaRPr sz="2400">
+              <a:solidFill>
+                <a:srgbClr val="333333"/>
+              </a:solidFill>
+              <a:latin typeface="Arial"/>
+              <a:ea typeface="Arial"/>
+              <a:cs typeface="Arial"/>
+              <a:sym typeface="Arial"/>
+            </a:endParaRPr>
+          </a:p>
+          <a:p>
+            <a:pPr indent="-381000" lvl="0" marL="457200" rtl="0" algn="l">
+              <a:spcBef>
+                <a:spcPts val="0"/>
+              </a:spcBef>
+              <a:spcAft>
+                <a:spcPts val="0"/>
+              </a:spcAft>
+              <a:buClr>
+                <a:srgbClr val="333333"/>
+              </a:buClr>
+              <a:buSzPts val="2400"/>
+              <a:buFont typeface="Arial"/>
+              <a:buChar char="●"/>
+            </a:pPr>
+            <a:r>
+              <a:rPr lang="de" sz="2400">
+                <a:solidFill>
+                  <a:srgbClr val="333333"/>
+                </a:solidFill>
+                <a:latin typeface="Arial"/>
+                <a:ea typeface="Arial"/>
+                <a:cs typeface="Arial"/>
+                <a:sym typeface="Arial"/>
+              </a:rPr>
+              <a:t>Modulo (%)</a:t>
             </a:r>
             <a:endParaRPr sz="2400">
               <a:solidFill>
@@ -11056,19 +11302,7 @@
                 <a:cs typeface="Verdana"/>
                 <a:sym typeface="Verdana"/>
               </a:rPr>
-              <a:t>nil</a:t>
-            </a:r>
-            <a:r>
-              <a:rPr lang="de" sz="1200">
-                <a:solidFill>
-                  <a:srgbClr val="333333"/>
-                </a:solidFill>
-                <a:latin typeface="Verdana"/>
-                <a:ea typeface="Verdana"/>
-                <a:cs typeface="Verdana"/>
-                <a:sym typeface="Verdana"/>
-              </a:rPr>
-              <a:t> </a:t>
+              <a:t>String?</a:t>
             </a:r>
             <a:br>
               <a:rPr lang="de" sz="1200">
@@ -11711,7 +11945,7 @@
             <a:tbl>
               <a:tblPr>
                 <a:noFill/>
-                <a:tableStyleId>{08CD7B38-93D0-457F-A605-C1F5DEA1DCE6}</a:tableStyleId>
+                <a:tableStyleId>{7C03ACB2-CA9B-4434-928F-1737BC1CA77A}</a:tableStyleId>
               </a:tblPr>
               <a:tblGrid>
                 <a:gridCol w="2413000"/>
@@ -12339,6 +12573,285 @@
 </file>
 
 <file path=ppt/theme/theme1.xml><?xml version="1.0" encoding="utf-8"?>
+<a:theme xmlns:a="http://schemas.openxmlformats.org/drawingml/2006/main" xmlns:r="http://schemas.openxmlformats.org/officeDocument/2006/relationships" name="Material">
+  <a:themeElements>
+    <a:clrScheme name="Material">
+      <a:dk1>
+        <a:srgbClr val="4285F4"/>
+      </a:dk1>
+      <a:lt1>
+        <a:srgbClr val="FFFFFF"/>
+      </a:lt1>
+      <a:dk2>
+        <a:srgbClr val="424242"/>
+      </a:dk2>
+      <a:lt2>
+        <a:srgbClr val="737373"/>
+      </a:lt2>
+      <a:accent1>
+        <a:srgbClr val="0277BD"/>
+      </a:accent1>
+      <a:accent2>
+        <a:srgbClr val="0F9D58"/>
+      </a:accent2>
+      <a:accent3>
+        <a:srgbClr val="DB4437"/>
+      </a:accent3>
+      <a:accent4>
+        <a:srgbClr val="FAFAFA"/>
+      </a:accent4>
+      <a:accent5>
+        <a:srgbClr val="4FC3F7"/>
+      </a:accent5>
+      <a:accent6>
+        <a:srgbClr val="F4B400"/>
+      </a:accent6>
+      <a:hlink>
+        <a:srgbClr val="4FC3F7"/>
+      </a:hlink>
+      <a:folHlink>
+        <a:srgbClr val="4FC3F7"/>
+      </a:folHlink>
+    </a:clrScheme>
+    <a:fontScheme name="Office">
+      <a:majorFont>
+        <a:latin typeface="Arial"/>
+        <a:ea typeface=""/>
+        <a:cs typeface=""/>
+        <a:font script="Jpan" typeface="ＭＳ Ｐゴシック"/>
+        <a:font script="Hang" typeface="맑은 고딕"/>
+        <a:font script="Hans" typeface="宋体"/>
+        <a:font script="Hant" typeface="新細明體"/>
+        <a:font script="Arab" typeface="Times New Roman"/>
+        <a:font script="Hebr" typeface="Times New Roman"/>
+        <a:font script="Thai" typeface="Angsana New"/>
+        <a:font script="Ethi" typeface="Nyala"/>
+        <a:font script="Beng" typeface="Vrinda"/>
+        <a:font script="Gujr" typeface="Shruti"/>
+        <a:font script="Khmr" typeface="MoolBoran"/>
+        <a:font script="Knda" typeface="Tunga"/>
+        <a:font script="Guru" typeface="Raavi"/>
+        <a:font script="Cans" typeface="Euphemia"/>
+        <a:font script="Cher" typeface="Plantagenet Cherokee"/>
+        <a:font script="Yiii" typeface="Microsoft Yi Baiti"/>
+        <a:font script="Tibt" typeface="Microsoft Himalaya"/>
+        <a:font script="Thaa" typeface="MV Boli"/>
+        <a:font script="Deva" typeface="Mangal"/>
+        <a:font script="Telu" typeface="Gautami"/>
+        <a:font script="Taml" typeface="Latha"/>
+        <a:font script="Syrc" typeface="Estrangelo Edessa"/>
+        <a:font script="Orya" typeface="Kalinga"/>
+        <a:font script="Mlym" typeface="Kartika"/>
+        <a:font script="Laoo" typeface="DokChampa"/>
+        <a:font script="Sinh" typeface="Iskoola Pota"/>
+        <a:font script="Mong" typeface="Mongolian Baiti"/>
+        <a:font script="Viet" typeface="Times New Roman"/>
+        <a:font script="Uigh" typeface="Microsoft Uighur"/>
+        <a:font script="Geor" typeface="Sylfaen"/>
+      </a:majorFont>
+      <a:minorFont>
+        <a:latin typeface="Arial"/>
+        <a:ea typeface=""/>
+        <a:cs typeface=""/>
+        <a:font script="Jpan" typeface="ＭＳ Ｐゴシック"/>
+        <a:font script="Hang" typeface="맑은 고딕"/>
+        <a:font script="Hans" typeface="宋体"/>
+        <a:font script="Hant" typeface="新細明體"/>
+        <a:font script="Arab" typeface="Arial"/>
+        <a:font script="Hebr" typeface="Arial"/>
+        <a:font script="Thai" typeface="Cordia New"/>
+        <a:font script="Ethi" typeface="Nyala"/>
+        <a:font script="Beng" typeface="Vrinda"/>
+        <a:font script="Gujr" typeface="Shruti"/>
+        <a:font script="Khmr" typeface="DaunPenh"/>
+        <a:font script="Knda" typeface="Tunga"/>
+        <a:font script="Guru" typeface="Raavi"/>
+        <a:font script="Cans" typeface="Euphemia"/>
+        <a:font script="Cher" typeface="Plantagenet Cherokee"/>
+        <a:font script="Yiii" typeface="Microsoft Yi Baiti"/>
+        <a:font script="Tibt" typeface="Microsoft Himalaya"/>
+        <a:font script="Thaa" typeface="MV Boli"/>
+        <a:font script="Deva" typeface="Mangal"/>
+        <a:font script="Telu" typeface="Gautami"/>
+        <a:font script="Taml" typeface="Latha"/>
+        <a:font script="Syrc" typeface="Estrangelo Edessa"/>
+        <a:font script="Orya" typeface="Kalinga"/>
+        <a:font script="Mlym" typeface="Kartika"/>
+        <a:font script="Laoo" typeface="DokChampa"/>
+        <a:font script="Sinh" typeface="Iskoola Pota"/>
+        <a:font script="Mong" typeface="Mongolian Baiti"/>
+        <a:font script="Viet" typeface="Arial"/>
+        <a:font script="Uigh" typeface="Microsoft Uighur"/>
+        <a:font script="Geor" typeface="Sylfaen"/>
+      </a:minorFont>
+    </a:fontScheme>
+    <a:fmtScheme name="Office">
+      <a:fillStyleLst>
+        <a:solidFill>
+          <a:schemeClr val="phClr"/>
+        </a:solidFill>
+        <a:gradFill rotWithShape="1">
+          <a:gsLst>
+            <a:gs pos="0">
+              <a:schemeClr val="phClr">
+                <a:tint val="50000"/>
+                <a:satMod val="300000"/>
+              </a:schemeClr>
+            </a:gs>
+            <a:gs pos="35000">
+              <a:schemeClr val="phClr">
+                <a:tint val="37000"/>
+                <a:satMod val="300000"/>
+              </a:schemeClr>
+            </a:gs>
+            <a:gs pos="100000">
+              <a:schemeClr val="phClr">
+                <a:tint val="15000"/>
+                <a:satMod val="350000"/>
+              </a:schemeClr>
+            </a:gs>
+          </a:gsLst>
+          <a:lin ang="16200000" scaled="1"/>
+        </a:gradFill>
+        <a:gradFill rotWithShape="1">
+          <a:gsLst>
+            <a:gs pos="0">
+              <a:schemeClr val="phClr">
+                <a:tint val="100000"/>
+                <a:shade val="100000"/>
+                <a:satMod val="130000"/>
+              </a:schemeClr>
+            </a:gs>
+            <a:gs pos="100000">
+              <a:schemeClr val="phClr">
+                <a:tint val="50000"/>
+                <a:shade val="100000"/>
+                <a:satMod val="350000"/>
+              </a:schemeClr>
+            </a:gs>
+          </a:gsLst>
+          <a:lin ang="16200000" scaled="0"/>
+        </a:gradFill>
+      </a:fillStyleLst>
+      <a:lnStyleLst>
+        <a:ln w="9525" cap="flat" cmpd="sng" algn="ctr">
+          <a:solidFill>
+            <a:schemeClr val="phClr">
+              <a:shade val="95000"/>
+              <a:satMod val="105000"/>
+            </a:schemeClr>
+          </a:solidFill>
+          <a:prstDash val="solid"/>
+        </a:ln>
+        <a:ln w="25400" cap="flat" cmpd="sng" algn="ctr">
+          <a:solidFill>
+            <a:schemeClr val="phClr"/>
+          </a:solidFill>
+          <a:prstDash val="solid"/>
+        </a:ln>
+        <a:ln w="38100" cap="flat" cmpd="sng" algn="ctr">
+          <a:solidFill>
+            <a:schemeClr val="phClr"/>
+          </a:solidFill>
+          <a:prstDash val="solid"/>
+        </a:ln>
+      </a:lnStyleLst>
+      <a:effectStyleLst>
+        <a:effectStyle>
+          <a:effectLst>
+            <a:outerShdw blurRad="40000" dist="20000" dir="5400000" rotWithShape="0">
+              <a:srgbClr val="000000">
+                <a:alpha val="38000"/>
+              </a:srgbClr>
+            </a:outerShdw>
+          </a:effectLst>
+        </a:effectStyle>
+        <a:effectStyle>
+          <a:effectLst>
+            <a:outerShdw blurRad="40000" dist="23000" dir="5400000" rotWithShape="0">
+              <a:srgbClr val="000000">
+                <a:alpha val="35000"/>
+              </a:srgbClr>
+            </a:outerShdw>
+          </a:effectLst>
+        </a:effectStyle>
+        <a:effectStyle>
+          <a:effectLst>
+            <a:outerShdw blurRad="40000" dist="23000" dir="5400000" rotWithShape="0">
+              <a:srgbClr val="000000">
+                <a:alpha val="35000"/>
+              </a:srgbClr>
+            </a:outerShdw>
+          </a:effectLst>
+          <a:scene3d>
+            <a:camera prst="orthographicFront">
+              <a:rot lat="0" lon="0" rev="0"/>
+            </a:camera>
+            <a:lightRig rig="threePt" dir="t">
+              <a:rot lat="0" lon="0" rev="1200000"/>
+            </a:lightRig>
+          </a:scene3d>
+          <a:sp3d>
+            <a:bevelT w="63500" h="25400"/>
+          </a:sp3d>
+        </a:effectStyle>
+      </a:effectStyleLst>
+      <a:bgFillStyleLst>
+        <a:solidFill>
+          <a:schemeClr val="phClr"/>
+        </a:solidFill>
+        <a:gradFill rotWithShape="1">
+          <a:gsLst>
+            <a:gs pos="0">
+              <a:schemeClr val="phClr">
+                <a:tint val="40000"/>
+                <a:satMod val="350000"/>
+              </a:schemeClr>
+            </a:gs>
+            <a:gs pos="40000">
+              <a:schemeClr val="phClr">
+                <a:tint val="45000"/>
+                <a:shade val="99000"/>
+                <a:satMod val="350000"/>
+              </a:schemeClr>
+            </a:gs>
+            <a:gs pos="100000">
+              <a:schemeClr val="phClr">
+                <a:shade val="20000"/>
+                <a:satMod val="255000"/>
+              </a:schemeClr>
+            </a:gs>
+          </a:gsLst>
+          <a:path path="circle">
+            <a:fillToRect l="50000" t="-80000" r="50000" b="180000"/>
+          </a:path>
+        </a:gradFill>
+        <a:gradFill rotWithShape="1">
+          <a:gsLst>
+            <a:gs pos="0">
+              <a:schemeClr val="phClr">
+                <a:tint val="80000"/>
+                <a:satMod val="300000"/>
+              </a:schemeClr>
+            </a:gs>
+            <a:gs pos="100000">
+              <a:schemeClr val="phClr">
+                <a:shade val="30000"/>
+                <a:satMod val="200000"/>
+              </a:schemeClr>
+            </a:gs>
+          </a:gsLst>
+          <a:path path="circle">
+            <a:fillToRect l="50000" t="50000" r="50000" b="50000"/>
+          </a:path>
+        </a:gradFill>
+      </a:bgFillStyleLst>
+    </a:fmtScheme>
+  </a:themeElements>
+</a:theme>
+</file>
+
+<file path=ppt/theme/theme2.xml><?xml version="1.0" encoding="utf-8"?>
 <a:theme xmlns:a="http://schemas.openxmlformats.org/drawingml/2006/main" xmlns:r="http://schemas.openxmlformats.org/officeDocument/2006/relationships">
   <a:themeElements>
     <a:clrScheme name="Default">
@@ -12615,283 +13128,4 @@
     </a:fmtScheme>
   </a:themeElements>
 </a:theme>
-</file>
-
-<file path=ppt/theme/theme2.xml><?xml version="1.0" encoding="utf-8"?>
-<a:theme xmlns:a="http://schemas.openxmlformats.org/drawingml/2006/main" xmlns:r="http://schemas.openxmlformats.org/officeDocument/2006/relationships" name="Material">
-  <a:themeElements>
-    <a:clrScheme name="Material">
-      <a:dk1>
-        <a:srgbClr val="4285F4"/>
-      </a:dk1>
-      <a:lt1>
-        <a:srgbClr val="FFFFFF"/>
-      </a:lt1>
-      <a:dk2>
-        <a:srgbClr val="424242"/>
-      </a:dk2>
-      <a:lt2>
-        <a:srgbClr val="737373"/>
-      </a:lt2>
-      <a:accent1>
-        <a:srgbClr val="0277BD"/>
-      </a:accent1>
-      <a:accent2>
-        <a:srgbClr val="0F9D58"/>
-      </a:accent2>
-      <a:accent3>
-        <a:srgbClr val="DB4437"/>
-      </a:accent3>
-      <a:accent4>
-        <a:srgbClr val="FAFAFA"/>
-      </a:accent4>
-      <a:accent5>
-        <a:srgbClr val="4FC3F7"/>
-      </a:accent5>
-      <a:accent6>
-        <a:srgbClr val="F4B400"/>
-      </a:accent6>
-      <a:hlink>
-        <a:srgbClr val="4FC3F7"/>
-      </a:hlink>
-      <a:folHlink>
-        <a:srgbClr val="4FC3F7"/>
-      </a:folHlink>
-    </a:clrScheme>
-    <a:fontScheme name="Office">
-      <a:majorFont>
-        <a:latin typeface="Arial"/>
-        <a:ea typeface=""/>
-        <a:cs typeface=""/>
-        <a:font script="Jpan" typeface="ＭＳ Ｐゴシック"/>
-        <a:font script="Hang" typeface="맑은 고딕"/>
-        <a:font script="Hans" typeface="宋体"/>
-        <a:font script="Hant" typeface="新細明體"/>
-        <a:font script="Arab" typeface="Times New Roman"/>
-        <a:font script="Hebr" typeface="Times New Roman"/>
-        <a:font script="Thai" typeface="Angsana New"/>
-        <a:font script="Ethi" typeface="Nyala"/>
-        <a:font script="Beng" typeface="Vrinda"/>
-        <a:font script="Gujr" typeface="Shruti"/>
-        <a:font script="Khmr" typeface="MoolBoran"/>
-        <a:font script="Knda" typeface="Tunga"/>
-        <a:font script="Guru" typeface="Raavi"/>
-        <a:font script="Cans" typeface="Euphemia"/>
-        <a:font script="Cher" typeface="Plantagenet Cherokee"/>
-        <a:font script="Yiii" typeface="Microsoft Yi Baiti"/>
-        <a:font script="Tibt" typeface="Microsoft Himalaya"/>
-        <a:font script="Thaa" typeface="MV Boli"/>
-        <a:font script="Deva" typeface="Mangal"/>
-        <a:font script="Telu" typeface="Gautami"/>
-        <a:font script="Taml" typeface="Latha"/>
-        <a:font script="Syrc" typeface="Estrangelo Edessa"/>
-        <a:font script="Orya" typeface="Kalinga"/>
-        <a:font script="Mlym" typeface="Kartika"/>
-        <a:font script="Laoo" typeface="DokChampa"/>
-        <a:font script="Sinh" typeface="Iskoola Pota"/>
-        <a:font script="Mong" typeface="Mongolian Baiti"/>
-        <a:font script="Viet" typeface="Times New Roman"/>
-        <a:font script="Uigh" typeface="Microsoft Uighur"/>
-        <a:font script="Geor" typeface="Sylfaen"/>
-      </a:majorFont>
-      <a:minorFont>
-        <a:latin typeface="Arial"/>
-        <a:ea typeface=""/>
-        <a:cs typeface=""/>
-        <a:font script="Jpan" typeface="ＭＳ Ｐゴシック"/>
-        <a:font script="Hang" typeface="맑은 고딕"/>
-        <a:font script="Hans" typeface="宋体"/>
-        <a:font script="Hant" typeface="新細明體"/>
-        <a:font script="Arab" typeface="Arial"/>
-        <a:font script="Hebr" typeface="Arial"/>
-        <a:font script="Thai" typeface="Cordia New"/>
-        <a:font script="Ethi" typeface="Nyala"/>
-        <a:font script="Beng" typeface="Vrinda"/>
-        <a:font script="Gujr" typeface="Shruti"/>
-        <a:font script="Khmr" typeface="DaunPenh"/>
-        <a:font script="Knda" typeface="Tunga"/>
-        <a:font script="Guru" typeface="Raavi"/>
-        <a:font script="Cans" typeface="Euphemia"/>
-        <a:font script="Cher" typeface="Plantagenet Cherokee"/>
-        <a:font script="Yiii" typeface="Microsoft Yi Baiti"/>
-        <a:font script="Tibt" typeface="Microsoft Himalaya"/>
-        <a:font script="Thaa" typeface="MV Boli"/>
-        <a:font script="Deva" typeface="Mangal"/>
-        <a:font script="Telu" typeface="Gautami"/>
-        <a:font script="Taml" typeface="Latha"/>
-        <a:font script="Syrc" typeface="Estrangelo Edessa"/>
-        <a:font script="Orya" typeface="Kalinga"/>
-        <a:font script="Mlym" typeface="Kartika"/>
-        <a:font script="Laoo" typeface="DokChampa"/>
-        <a:font script="Sinh" typeface="Iskoola Pota"/>
-        <a:font script="Mong" typeface="Mongolian Baiti"/>
-        <a:font script="Viet" typeface="Arial"/>
-        <a:font script="Uigh" typeface="Microsoft Uighur"/>
-        <a:font script="Geor" typeface="Sylfaen"/>
-      </a:minorFont>
-    </a:fontScheme>
-    <a:fmtScheme name="Office">
-      <a:fillStyleLst>
-        <a:solidFill>
-          <a:schemeClr val="phClr"/>
-        </a:solidFill>
-        <a:gradFill rotWithShape="1">
-          <a:gsLst>
-            <a:gs pos="0">
-              <a:schemeClr val="phClr">
-                <a:tint val="50000"/>
-                <a:satMod val="300000"/>
-              </a:schemeClr>
-            </a:gs>
-            <a:gs pos="35000">
-              <a:schemeClr val="phClr">
-                <a:tint val="37000"/>
-                <a:satMod val="300000"/>
-              </a:schemeClr>
-            </a:gs>
-            <a:gs pos="100000">
-              <a:schemeClr val="phClr">
-                <a:tint val="15000"/>
-                <a:satMod val="350000"/>
-              </a:schemeClr>
-            </a:gs>
-          </a:gsLst>
-          <a:lin ang="16200000" scaled="1"/>
-        </a:gradFill>
-        <a:gradFill rotWithShape="1">
-          <a:gsLst>
-            <a:gs pos="0">
-              <a:schemeClr val="phClr">
-                <a:tint val="100000"/>
-                <a:shade val="100000"/>
-                <a:satMod val="130000"/>
-              </a:schemeClr>
-            </a:gs>
-            <a:gs pos="100000">
-              <a:schemeClr val="phClr">
-                <a:tint val="50000"/>
-                <a:shade val="100000"/>
-                <a:satMod val="350000"/>
-              </a:schemeClr>
-            </a:gs>
-          </a:gsLst>
-          <a:lin ang="16200000" scaled="0"/>
-        </a:gradFill>
-      </a:fillStyleLst>
-      <a:lnStyleLst>
-        <a:ln w="9525" cap="flat" cmpd="sng" algn="ctr">
-          <a:solidFill>
-            <a:schemeClr val="phClr">
-              <a:shade val="95000"/>
-              <a:satMod val="105000"/>
-            </a:schemeClr>
-          </a:solidFill>
-          <a:prstDash val="solid"/>
-        </a:ln>
-        <a:ln w="25400" cap="flat" cmpd="sng" algn="ctr">
-          <a:solidFill>
-            <a:schemeClr val="phClr"/>
-          </a:solidFill>
-          <a:prstDash val="solid"/>
-        </a:ln>
-        <a:ln w="38100" cap="flat" cmpd="sng" algn="ctr">
-          <a:solidFill>
-            <a:schemeClr val="phClr"/>
-          </a:solidFill>
-          <a:prstDash val="solid"/>
-        </a:ln>
-      </a:lnStyleLst>
-      <a:effectStyleLst>
-        <a:effectStyle>
-          <a:effectLst>
-            <a:outerShdw blurRad="40000" dist="20000" dir="5400000" rotWithShape="0">
-              <a:srgbClr val="000000">
-                <a:alpha val="38000"/>
-              </a:srgbClr>
-            </a:outerShdw>
-          </a:effectLst>
-        </a:effectStyle>
-        <a:effectStyle>
-          <a:effectLst>
-            <a:outerShdw blurRad="40000" dist="23000" dir="5400000" rotWithShape="0">
-              <a:srgbClr val="000000">
-                <a:alpha val="35000"/>
-              </a:srgbClr>
-            </a:outerShdw>
-          </a:effectLst>
-        </a:effectStyle>
-        <a:effectStyle>
-          <a:effectLst>
-            <a:outerShdw blurRad="40000" dist="23000" dir="5400000" rotWithShape="0">
-              <a:srgbClr val="000000">
-                <a:alpha val="35000"/>
-              </a:srgbClr>
-            </a:outerShdw>
-          </a:effectLst>
-          <a:scene3d>
-            <a:camera prst="orthographicFront">
-              <a:rot lat="0" lon="0" rev="0"/>
-            </a:camera>
-            <a:lightRig rig="threePt" dir="t">
-              <a:rot lat="0" lon="0" rev="1200000"/>
-            </a:lightRig>
-          </a:scene3d>
-          <a:sp3d>
-            <a:bevelT w="63500" h="25400"/>
-          </a:sp3d>
-        </a:effectStyle>
-      </a:effectStyleLst>
-      <a:bgFillStyleLst>
-        <a:solidFill>
-          <a:schemeClr val="phClr"/>
-        </a:solidFill>
-        <a:gradFill rotWithShape="1">
-          <a:gsLst>
-            <a:gs pos="0">
-              <a:schemeClr val="phClr">
-                <a:tint val="40000"/>
-                <a:satMod val="350000"/>
-              </a:schemeClr>
-            </a:gs>
-            <a:gs pos="40000">
-              <a:schemeClr val="phClr">
-                <a:tint val="45000"/>
-                <a:shade val="99000"/>
-                <a:satMod val="350000"/>
-              </a:schemeClr>
-            </a:gs>
-            <a:gs pos="100000">
-              <a:schemeClr val="phClr">
-                <a:shade val="20000"/>
-                <a:satMod val="255000"/>
-              </a:schemeClr>
-            </a:gs>
-          </a:gsLst>
-          <a:path path="circle">
-            <a:fillToRect l="50000" t="-80000" r="50000" b="180000"/>
-          </a:path>
-        </a:gradFill>
-        <a:gradFill rotWithShape="1">
-          <a:gsLst>
-            <a:gs pos="0">
-              <a:schemeClr val="phClr">
-                <a:tint val="80000"/>
-                <a:satMod val="300000"/>
-              </a:schemeClr>
-            </a:gs>
-            <a:gs pos="100000">
-              <a:schemeClr val="phClr">
-                <a:shade val="30000"/>
-                <a:satMod val="200000"/>
-              </a:schemeClr>
-            </a:gs>
-          </a:gsLst>
-          <a:path path="circle">
-            <a:fillToRect l="50000" t="50000" r="50000" b="50000"/>
-          </a:path>
-        </a:gradFill>
-      </a:bgFillStyleLst>
-    </a:fmtScheme>
-  </a:themeElements>
-</a:theme>
 </file>
--- a/Folien/02_Basic_Operators.pptx
+++ b/Folien/02_Basic_Operators.pptx
@@ -8469,13 +8469,61 @@
                 <a:spcPts val="0"/>
               </a:spcBef>
               <a:spcAft>
+                <a:spcPts val="0"/>
+              </a:spcAft>
+              <a:buNone/>
+            </a:pPr>
+            <a:r>
+              <a:rPr lang="de"/>
+              <a:t>erstelle die variable a und initialisiere sie mit 5</a:t>
+            </a:r>
+            <a:endParaRPr/>
+          </a:p>
+          <a:p>
+            <a:pPr indent="0" lvl="0" marL="0" rtl="0" algn="l">
+              <a:spcBef>
                 <a:spcPts val="1600"/>
+              </a:spcBef>
+              <a:spcAft>
+                <a:spcPts val="0"/>
               </a:spcAft>
               <a:buNone/>
             </a:pPr>
             <a:r>
               <a:rPr lang="de"/>
-              <a:t>Überprüfe ob eine integer variable innerhalb einer Range ist außerdem überprüfe ob diese Variable nil ist wenn diese nil ist gib einer anderen Variable den Wert 10 und gib diese aus</a:t>
+              <a:t>erstelle die variable b und initialisiere sie mit 10</a:t>
+            </a:r>
+            <a:endParaRPr/>
+          </a:p>
+          <a:p>
+            <a:pPr indent="0" lvl="0" marL="0" rtl="0" algn="l">
+              <a:spcBef>
+                <a:spcPts val="1600"/>
+              </a:spcBef>
+              <a:spcAft>
+                <a:spcPts val="0"/>
+              </a:spcAft>
+              <a:buNone/>
+            </a:pPr>
+            <a:r>
+              <a:rPr lang="de"/>
+              <a:t>überprüfe ob a in der Range 1...10 ist und b nicht nil ist</a:t>
+            </a:r>
+            <a:endParaRPr/>
+          </a:p>
+          <a:p>
+            <a:pPr indent="0" lvl="0" marL="0" rtl="0" algn="l">
+              <a:spcBef>
+                <a:spcPts val="1600"/>
+              </a:spcBef>
+              <a:spcAft>
+                <a:spcPts val="1600"/>
+              </a:spcAft>
+              <a:buNone/>
+            </a:pPr>
+            <a:r>
+              <a:rPr lang="de"/>
+              <a:t>Wenn dies True ist gib a + b aus</a:t>
             </a:r>
             <a:endParaRPr/>
           </a:p>
@@ -11945,7 +11993,7 @@
             <a:tbl>
               <a:tblPr>
                 <a:noFill/>
-                <a:tableStyleId>{7C03ACB2-CA9B-4434-928F-1737BC1CA77A}</a:tableStyleId>
+                <a:tableStyleId>{AFA38E8C-6406-4A0C-AD43-D798152BFC0B}</a:tableStyleId>
               </a:tblPr>
               <a:tblGrid>
                 <a:gridCol w="2413000"/>
